--- a/docs/documents/weekly_meeting/Final Results.pptx
+++ b/docs/documents/weekly_meeting/Final Results.pptx
@@ -630,6 +630,68 @@
               </a:rPr>
               <a:t> 1000 estimators</a:t>
             </a:r>
+          </a:p>
+          <a:p>
+            <a:r>
+              <a:rPr lang="en-US" dirty="0" smtClean="0">
+                <a:sym typeface="Wingdings"/>
+              </a:rPr>
+              <a:t>SVM (SP + SW)  Gamma = 1, C = 500</a:t>
+            </a:r>
+          </a:p>
+          <a:p>
+            <a:pPr marL="0" marR="0" indent="0" algn="l" defTabSz="914400" rtl="0" eaLnBrk="1" fontAlgn="auto" latinLnBrk="0" hangingPunct="1">
+              <a:lnSpc>
+                <a:spcPct val="100000"/>
+              </a:lnSpc>
+              <a:spcBef>
+                <a:spcPts val="0"/>
+              </a:spcBef>
+              <a:spcAft>
+                <a:spcPts val="0"/>
+              </a:spcAft>
+              <a:buClrTx/>
+              <a:buSzTx/>
+              <a:buFontTx/>
+              <a:buNone/>
+              <a:tabLst/>
+              <a:defRPr/>
+            </a:pPr>
+            <a:r>
+              <a:rPr lang="en-US" dirty="0" smtClean="0">
+                <a:sym typeface="Wingdings"/>
+              </a:rPr>
+              <a:t>SVM (SP)  Gamma = 1, C = 5000</a:t>
+            </a:r>
+            <a:endParaRPr lang="en-US" dirty="0" smtClean="0"/>
+          </a:p>
+          <a:p>
+            <a:pPr marL="0" marR="0" indent="0" algn="l" defTabSz="914400" rtl="0" eaLnBrk="1" fontAlgn="auto" latinLnBrk="0" hangingPunct="1">
+              <a:lnSpc>
+                <a:spcPct val="100000"/>
+              </a:lnSpc>
+              <a:spcBef>
+                <a:spcPts val="0"/>
+              </a:spcBef>
+              <a:spcAft>
+                <a:spcPts val="0"/>
+              </a:spcAft>
+              <a:buClrTx/>
+              <a:buSzTx/>
+              <a:buFontTx/>
+              <a:buNone/>
+              <a:tabLst/>
+              <a:defRPr/>
+            </a:pPr>
+            <a:r>
+              <a:rPr lang="en-US" dirty="0" smtClean="0">
+                <a:sym typeface="Wingdings"/>
+              </a:rPr>
+              <a:t>SVM (SW)  Gamma = 1, C = 5000</a:t>
+            </a:r>
+            <a:endParaRPr lang="en-US" dirty="0" smtClean="0"/>
+          </a:p>
+          <a:p>
             <a:endParaRPr lang="en-US" dirty="0"/>
           </a:p>
         </p:txBody>
@@ -7908,13 +7970,9 @@
           <a:p>
             <a:r>
               <a:rPr lang="en-US" dirty="0" smtClean="0"/>
-              <a:t>Accelerometer</a:t>
+              <a:t>Accelerometer, Barometer</a:t>
             </a:r>
-            <a:r>
-              <a:rPr lang="en-US" smtClean="0"/>
-              <a:t>, Barometer</a:t>
-            </a:r>
-            <a:endParaRPr lang="en-US"/>
+            <a:endParaRPr lang="en-US" dirty="0"/>
           </a:p>
         </p:txBody>
       </p:sp>
@@ -17920,7 +17978,7 @@
               <p:nvPr>
                 <p:extLst>
                   <p:ext uri="{D42A27DB-BD31-4B8C-83A1-F6EECF244321}">
-                    <p14:modId xmlns:p14="http://schemas.microsoft.com/office/powerpoint/2010/main" val="1617588444"/>
+                    <p14:modId xmlns:p14="http://schemas.microsoft.com/office/powerpoint/2010/main" val="745518180"/>
                   </p:ext>
                 </p:extLst>
               </p:nvPr>
@@ -18081,7 +18139,7 @@
                             <a:rPr lang="en-US" sz="2000" dirty="0" smtClean="0">
                               <a:latin typeface="+mn-lt"/>
                             </a:rPr>
-                            <a:t>% </a:t>
+                            <a:t>96.02% </a:t>
                           </a:r>
                           <a14:m>
                             <m:oMath xmlns:m="http://schemas.openxmlformats.org/officeDocument/2006/math">
@@ -18105,7 +18163,7 @@
                             <a:rPr lang="en-US" sz="2000" dirty="0" smtClean="0">
                               <a:latin typeface="+mn-lt"/>
                             </a:rPr>
-                            <a:t>%</a:t>
+                            <a:t>0.07%</a:t>
                           </a:r>
                           <a:endParaRPr lang="en-US" sz="2000" dirty="0">
                             <a:latin typeface="+mn-lt"/>
@@ -18124,7 +18182,7 @@
                             <a:rPr lang="en-US" sz="2000" dirty="0" smtClean="0">
                               <a:latin typeface="+mn-lt"/>
                             </a:rPr>
-                            <a:t>% </a:t>
+                            <a:t>89.98% </a:t>
                           </a:r>
                           <a14:m>
                             <m:oMath xmlns:m="http://schemas.openxmlformats.org/officeDocument/2006/math">
@@ -18148,7 +18206,7 @@
                             <a:rPr lang="en-US" sz="2000" dirty="0" smtClean="0">
                               <a:latin typeface="+mn-lt"/>
                             </a:rPr>
-                            <a:t>%</a:t>
+                            <a:t>0.19%</a:t>
                           </a:r>
                           <a:endParaRPr lang="en-US" sz="2000" dirty="0">
                             <a:latin typeface="+mn-lt"/>
@@ -18167,7 +18225,7 @@
                             <a:rPr lang="en-US" sz="2000" dirty="0" smtClean="0">
                               <a:latin typeface="+mn-lt"/>
                             </a:rPr>
-                            <a:t>% </a:t>
+                            <a:t>90.22% </a:t>
                           </a:r>
                           <a14:m>
                             <m:oMath xmlns:m="http://schemas.openxmlformats.org/officeDocument/2006/math">
@@ -18191,7 +18249,7 @@
                             <a:rPr lang="en-US" sz="2000" dirty="0" smtClean="0">
                               <a:latin typeface="+mn-lt"/>
                             </a:rPr>
-                            <a:t>%</a:t>
+                            <a:t>0.10%</a:t>
                           </a:r>
                           <a:endParaRPr lang="en-US" sz="2000" dirty="0">
                             <a:latin typeface="+mn-lt"/>
@@ -18230,7 +18288,7 @@
                             <a:rPr lang="en-US" sz="2000" dirty="0" smtClean="0">
                               <a:latin typeface="+mn-lt"/>
                             </a:rPr>
-                            <a:t>% </a:t>
+                            <a:t>96.47% </a:t>
                           </a:r>
                           <a14:m>
                             <m:oMath xmlns:m="http://schemas.openxmlformats.org/officeDocument/2006/math">
@@ -18254,7 +18312,7 @@
                             <a:rPr lang="en-US" sz="2000" dirty="0" smtClean="0">
                               <a:latin typeface="+mn-lt"/>
                             </a:rPr>
-                            <a:t>%</a:t>
+                            <a:t>0.12%</a:t>
                           </a:r>
                           <a:endParaRPr lang="en-US" sz="2000" dirty="0">
                             <a:latin typeface="+mn-lt"/>
@@ -18273,7 +18331,7 @@
                             <a:rPr lang="en-US" sz="2000" dirty="0" smtClean="0">
                               <a:latin typeface="+mn-lt"/>
                             </a:rPr>
-                            <a:t>% </a:t>
+                            <a:t>78.31% </a:t>
                           </a:r>
                           <a14:m>
                             <m:oMath xmlns:m="http://schemas.openxmlformats.org/officeDocument/2006/math">
@@ -18297,7 +18355,7 @@
                             <a:rPr lang="en-US" sz="2000" dirty="0" smtClean="0">
                               <a:latin typeface="+mn-lt"/>
                             </a:rPr>
-                            <a:t>%</a:t>
+                            <a:t>0.28%</a:t>
                           </a:r>
                           <a:endParaRPr lang="en-US" sz="2000" dirty="0">
                             <a:latin typeface="+mn-lt"/>
@@ -18316,7 +18374,7 @@
                             <a:rPr lang="en-US" sz="2000" dirty="0" smtClean="0">
                               <a:latin typeface="+mn-lt"/>
                             </a:rPr>
-                            <a:t>% </a:t>
+                            <a:t>88.87% </a:t>
                           </a:r>
                           <a14:m>
                             <m:oMath xmlns:m="http://schemas.openxmlformats.org/officeDocument/2006/math">
@@ -18340,7 +18398,7 @@
                             <a:rPr lang="en-US" sz="2000" dirty="0" smtClean="0">
                               <a:latin typeface="+mn-lt"/>
                             </a:rPr>
-                            <a:t>%</a:t>
+                            <a:t>0.46%</a:t>
                           </a:r>
                           <a:endParaRPr lang="en-US" sz="2000" dirty="0">
                             <a:latin typeface="+mn-lt"/>
@@ -18365,7 +18423,7 @@
               <p:nvPr>
                 <p:extLst>
                   <p:ext uri="{D42A27DB-BD31-4B8C-83A1-F6EECF244321}">
-                    <p14:modId xmlns:p14="http://schemas.microsoft.com/office/powerpoint/2010/main" val="1617588444"/>
+                    <p14:modId xmlns:p14="http://schemas.microsoft.com/office/powerpoint/2010/main" val="745518180"/>
                   </p:ext>
                 </p:extLst>
               </p:nvPr>
